--- a/documentation/Java training 29- Servelt API- Servlet.pptx
+++ b/documentation/Java training 29- Servelt API- Servlet.pptx
@@ -227,7 +227,7 @@
           <a:p>
             <a:fld id="{73A75711-008A-44DA-88BD-E3A055973083}" type="datetimeFigureOut">
               <a:rPr lang="hu-HU" smtClean="0"/>
-              <a:t>2015.10.15.</a:t>
+              <a:t>2015.10.20.</a:t>
             </a:fld>
             <a:endParaRPr lang="hu-HU"/>
           </a:p>
@@ -626,7 +626,7 @@
           <a:p>
             <a:fld id="{C6E8B002-83F0-41C5-A7B7-2819A96BD9B2}" type="datetimeFigureOut">
               <a:rPr lang="hu-HU" smtClean="0"/>
-              <a:t>2015.10.15.</a:t>
+              <a:t>2015.10.20.</a:t>
             </a:fld>
             <a:endParaRPr lang="hu-HU"/>
           </a:p>
@@ -796,7 +796,7 @@
           <a:p>
             <a:fld id="{C6E8B002-83F0-41C5-A7B7-2819A96BD9B2}" type="datetimeFigureOut">
               <a:rPr lang="hu-HU" smtClean="0"/>
-              <a:t>2015.10.15.</a:t>
+              <a:t>2015.10.20.</a:t>
             </a:fld>
             <a:endParaRPr lang="hu-HU"/>
           </a:p>
@@ -976,7 +976,7 @@
           <a:p>
             <a:fld id="{C6E8B002-83F0-41C5-A7B7-2819A96BD9B2}" type="datetimeFigureOut">
               <a:rPr lang="hu-HU" smtClean="0"/>
-              <a:t>2015.10.15.</a:t>
+              <a:t>2015.10.20.</a:t>
             </a:fld>
             <a:endParaRPr lang="hu-HU"/>
           </a:p>
@@ -1146,7 +1146,7 @@
           <a:p>
             <a:fld id="{C6E8B002-83F0-41C5-A7B7-2819A96BD9B2}" type="datetimeFigureOut">
               <a:rPr lang="hu-HU" smtClean="0"/>
-              <a:t>2015.10.15.</a:t>
+              <a:t>2015.10.20.</a:t>
             </a:fld>
             <a:endParaRPr lang="hu-HU"/>
           </a:p>
@@ -1390,7 +1390,7 @@
           <a:p>
             <a:fld id="{C6E8B002-83F0-41C5-A7B7-2819A96BD9B2}" type="datetimeFigureOut">
               <a:rPr lang="hu-HU" smtClean="0"/>
-              <a:t>2015.10.15.</a:t>
+              <a:t>2015.10.20.</a:t>
             </a:fld>
             <a:endParaRPr lang="hu-HU"/>
           </a:p>
@@ -1622,7 +1622,7 @@
           <a:p>
             <a:fld id="{C6E8B002-83F0-41C5-A7B7-2819A96BD9B2}" type="datetimeFigureOut">
               <a:rPr lang="hu-HU" smtClean="0"/>
-              <a:t>2015.10.15.</a:t>
+              <a:t>2015.10.20.</a:t>
             </a:fld>
             <a:endParaRPr lang="hu-HU"/>
           </a:p>
@@ -1989,7 +1989,7 @@
           <a:p>
             <a:fld id="{C6E8B002-83F0-41C5-A7B7-2819A96BD9B2}" type="datetimeFigureOut">
               <a:rPr lang="hu-HU" smtClean="0"/>
-              <a:t>2015.10.15.</a:t>
+              <a:t>2015.10.20.</a:t>
             </a:fld>
             <a:endParaRPr lang="hu-HU"/>
           </a:p>
@@ -2107,7 +2107,7 @@
           <a:p>
             <a:fld id="{C6E8B002-83F0-41C5-A7B7-2819A96BD9B2}" type="datetimeFigureOut">
               <a:rPr lang="hu-HU" smtClean="0"/>
-              <a:t>2015.10.15.</a:t>
+              <a:t>2015.10.20.</a:t>
             </a:fld>
             <a:endParaRPr lang="hu-HU"/>
           </a:p>
@@ -2202,7 +2202,7 @@
           <a:p>
             <a:fld id="{C6E8B002-83F0-41C5-A7B7-2819A96BD9B2}" type="datetimeFigureOut">
               <a:rPr lang="hu-HU" smtClean="0"/>
-              <a:t>2015.10.15.</a:t>
+              <a:t>2015.10.20.</a:t>
             </a:fld>
             <a:endParaRPr lang="hu-HU"/>
           </a:p>
@@ -2479,7 +2479,7 @@
           <a:p>
             <a:fld id="{C6E8B002-83F0-41C5-A7B7-2819A96BD9B2}" type="datetimeFigureOut">
               <a:rPr lang="hu-HU" smtClean="0"/>
-              <a:t>2015.10.15.</a:t>
+              <a:t>2015.10.20.</a:t>
             </a:fld>
             <a:endParaRPr lang="hu-HU"/>
           </a:p>
@@ -2736,7 +2736,7 @@
           <a:p>
             <a:fld id="{C6E8B002-83F0-41C5-A7B7-2819A96BD9B2}" type="datetimeFigureOut">
               <a:rPr lang="hu-HU" smtClean="0"/>
-              <a:t>2015.10.15.</a:t>
+              <a:t>2015.10.20.</a:t>
             </a:fld>
             <a:endParaRPr lang="hu-HU"/>
           </a:p>
@@ -2956,7 +2956,7 @@
           <a:p>
             <a:fld id="{C6E8B002-83F0-41C5-A7B7-2819A96BD9B2}" type="datetimeFigureOut">
               <a:rPr lang="hu-HU" smtClean="0"/>
-              <a:t>2015.10.15.</a:t>
+              <a:t>2015.10.20.</a:t>
             </a:fld>
             <a:endParaRPr lang="hu-HU"/>
           </a:p>
@@ -3400,14 +3400,20 @@
             </a:pPr>
             <a:r>
               <a:rPr lang="hu-HU" dirty="0" err="1" smtClean="0"/>
-              <a:t>Ajax</a:t>
-            </a:r>
-            <a:endParaRPr lang="hu-HU" dirty="0" smtClean="0"/>
-          </a:p>
-          <a:p>
-            <a:pPr marL="0" indent="0" algn="ctr">
-              <a:buNone/>
-            </a:pPr>
+              <a:t>Servelt</a:t>
+            </a:r>
+            <a:r>
+              <a:rPr lang="hu-HU" dirty="0" smtClean="0"/>
+              <a:t> </a:t>
+            </a:r>
+            <a:r>
+              <a:rPr lang="hu-HU" dirty="0"/>
+              <a:t>API- </a:t>
+            </a:r>
+            <a:r>
+              <a:rPr lang="hu-HU" dirty="0" err="1" smtClean="0"/>
+              <a:t>Servlet</a:t>
+            </a:r>
             <a:endParaRPr lang="hu-HU" dirty="0"/>
           </a:p>
         </p:txBody>
@@ -3552,11 +3558,7 @@
             </a:r>
             <a:r>
               <a:rPr lang="hu-HU" sz="2800" dirty="0"/>
-              <a:t> szükséges paramétereket </a:t>
-            </a:r>
-            <a:r>
-              <a:rPr lang="hu-HU" sz="2800" dirty="0"/>
-              <a:t>tartalmazza.</a:t>
+              <a:t> szükséges paramétereket tartalmazza.</a:t>
             </a:r>
           </a:p>
           <a:p>
@@ -3742,7 +3744,6 @@
               <a:rPr lang="hu-HU" sz="2800" dirty="0"/>
               <a:t> </a:t>
             </a:r>
-            <a:endParaRPr lang="hu-HU" sz="2800" dirty="0"/>
           </a:p>
         </p:txBody>
       </p:sp>
@@ -3980,11 +3981,7 @@
           <a:p>
             <a:r>
               <a:rPr lang="hu-HU" dirty="0"/>
-              <a:t>K</a:t>
-            </a:r>
-            <a:r>
-              <a:rPr lang="hu-HU" dirty="0"/>
-              <a:t>liens oldalról jön</a:t>
+              <a:t>Kliens oldalról jön</a:t>
             </a:r>
           </a:p>
           <a:p>
@@ -4014,7 +4011,6 @@
               <a:rPr lang="hu-HU" dirty="0"/>
               <a:t> lehet</a:t>
             </a:r>
-            <a:endParaRPr lang="hu-HU" dirty="0"/>
           </a:p>
           <a:p>
             <a:endParaRPr lang="hu-HU" sz="1620" dirty="0"/>
@@ -4127,7 +4123,6 @@
               <a:rPr lang="hu-HU" dirty="0"/>
               <a:t>Tetszőleges objektum lehet</a:t>
             </a:r>
-            <a:endParaRPr lang="hu-HU" dirty="0"/>
           </a:p>
           <a:p>
             <a:endParaRPr lang="hu-HU" sz="1620" dirty="0"/>
@@ -4558,11 +4553,7 @@
           <a:p>
             <a:r>
               <a:rPr lang="hu-HU" dirty="0" err="1" smtClean="0"/>
-              <a:t>I</a:t>
-            </a:r>
-            <a:r>
-              <a:rPr lang="hu-HU" dirty="0" err="1" smtClean="0"/>
-              <a:t>nclude</a:t>
+              <a:t>Include</a:t>
             </a:r>
             <a:endParaRPr lang="hu-HU" dirty="0"/>
           </a:p>
@@ -5138,11 +5129,7 @@
             </a:r>
             <a:r>
               <a:rPr lang="hu-HU" sz="1080" dirty="0" err="1"/>
-              <a:t>-</a:t>
-            </a:r>
-            <a:r>
-              <a:rPr lang="hu-HU" sz="1080" dirty="0" err="1"/>
-              <a:t>DgroupId</a:t>
+              <a:t>-DgroupId</a:t>
             </a:r>
             <a:r>
               <a:rPr lang="hu-HU" sz="1080" dirty="0"/>
@@ -5665,11 +5652,7 @@
             </a:pPr>
             <a:r>
               <a:rPr lang="hu-HU" sz="1080" dirty="0"/>
-              <a:t> </a:t>
-            </a:r>
-            <a:r>
-              <a:rPr lang="hu-HU" sz="1080" dirty="0"/>
-              <a:t>&lt;</a:t>
+              <a:t> &lt;</a:t>
             </a:r>
             <a:r>
               <a:rPr lang="hu-HU" sz="1080" dirty="0" err="1"/>
@@ -6022,11 +6005,7 @@
           <a:p>
             <a:r>
               <a:rPr lang="hu-HU" dirty="0" smtClean="0"/>
-              <a:t>Web alkalmazás </a:t>
-            </a:r>
-            <a:r>
-              <a:rPr lang="hu-HU" dirty="0" smtClean="0"/>
-              <a:t>felépítése</a:t>
+              <a:t>Web alkalmazás felépítése</a:t>
             </a:r>
             <a:endParaRPr lang="hu-HU" dirty="0"/>
           </a:p>
@@ -6896,11 +6875,7 @@
             </a:pPr>
             <a:r>
               <a:rPr lang="hu-HU" sz="1080" dirty="0"/>
-              <a:t> |   </a:t>
-            </a:r>
-            <a:r>
-              <a:rPr lang="hu-HU" sz="1080" dirty="0"/>
-              <a:t>|       `-- </a:t>
+              <a:t> |   |       `-- </a:t>
             </a:r>
             <a:r>
               <a:rPr lang="hu-HU" sz="1080" dirty="0" err="1"/>
@@ -7438,11 +7413,40 @@
             </a:pPr>
             <a:r>
               <a:rPr lang="en-US" sz="1080" dirty="0"/>
-              <a:t>&lt;</a:t>
-            </a:r>
+              <a:t>&lt;plugin&gt;</a:t>
+            </a:r>
+          </a:p>
+          <a:p>
+            <a:pPr marL="0" indent="0">
+              <a:buNone/>
+            </a:pPr>
             <a:r>
               <a:rPr lang="en-US" sz="1080" dirty="0"/>
-              <a:t>plugin&gt;</a:t>
+              <a:t>	&lt;</a:t>
+            </a:r>
+            <a:r>
+              <a:rPr lang="en-US" sz="1080" dirty="0" err="1"/>
+              <a:t>groupId</a:t>
+            </a:r>
+            <a:r>
+              <a:rPr lang="en-US" sz="1080" dirty="0"/>
+              <a:t>&gt;</a:t>
+            </a:r>
+            <a:r>
+              <a:rPr lang="en-US" sz="1080" dirty="0" err="1"/>
+              <a:t>org.eclipse.jetty</a:t>
+            </a:r>
+            <a:r>
+              <a:rPr lang="en-US" sz="1080" dirty="0"/>
+              <a:t>&lt;/</a:t>
+            </a:r>
+            <a:r>
+              <a:rPr lang="en-US" sz="1080" dirty="0" err="1"/>
+              <a:t>groupId</a:t>
+            </a:r>
+            <a:r>
+              <a:rPr lang="en-US" sz="1080" dirty="0"/>
+              <a:t>&gt;</a:t>
             </a:r>
           </a:p>
           <a:p>
@@ -7451,6 +7455,95 @@
             </a:pPr>
             <a:r>
               <a:rPr lang="en-US" sz="1080" dirty="0"/>
+              <a:t>	&lt;</a:t>
+            </a:r>
+            <a:r>
+              <a:rPr lang="en-US" sz="1080" dirty="0" err="1"/>
+              <a:t>artifactId</a:t>
+            </a:r>
+            <a:r>
+              <a:rPr lang="en-US" sz="1080" dirty="0"/>
+              <a:t>&gt;jetty-maven-plugin&lt;/</a:t>
+            </a:r>
+            <a:r>
+              <a:rPr lang="en-US" sz="1080" dirty="0" err="1"/>
+              <a:t>artifactId</a:t>
+            </a:r>
+            <a:r>
+              <a:rPr lang="en-US" sz="1080" dirty="0"/>
+              <a:t>&gt;</a:t>
+            </a:r>
+          </a:p>
+          <a:p>
+            <a:pPr marL="0" indent="0">
+              <a:buNone/>
+            </a:pPr>
+            <a:r>
+              <a:rPr lang="en-US" sz="1080" dirty="0"/>
+              <a:t>	&lt;version&gt;9.3.0.M2&lt;/version&gt;</a:t>
+            </a:r>
+          </a:p>
+          <a:p>
+            <a:pPr marL="0" indent="0">
+              <a:buNone/>
+            </a:pPr>
+            <a:r>
+              <a:rPr lang="en-US" sz="1080" dirty="0"/>
+              <a:t>	&lt;configuration&gt;</a:t>
+            </a:r>
+          </a:p>
+          <a:p>
+            <a:pPr marL="0" indent="0">
+              <a:buNone/>
+            </a:pPr>
+            <a:r>
+              <a:rPr lang="en-US" sz="1080" dirty="0"/>
+              <a:t>		&lt;</a:t>
+            </a:r>
+            <a:r>
+              <a:rPr lang="en-US" sz="1080" dirty="0" err="1"/>
+              <a:t>scanIntervalSeconds</a:t>
+            </a:r>
+            <a:r>
+              <a:rPr lang="en-US" sz="1080" dirty="0"/>
+              <a:t>&gt;10&lt;/</a:t>
+            </a:r>
+            <a:r>
+              <a:rPr lang="en-US" sz="1080" dirty="0" err="1"/>
+              <a:t>scanIntervalSeconds</a:t>
+            </a:r>
+            <a:r>
+              <a:rPr lang="en-US" sz="1080" dirty="0"/>
+              <a:t>&gt;</a:t>
+            </a:r>
+          </a:p>
+          <a:p>
+            <a:pPr marL="0" indent="0">
+              <a:buNone/>
+            </a:pPr>
+            <a:r>
+              <a:rPr lang="en-US" sz="1080" dirty="0"/>
+              <a:t>		&lt;</a:t>
+            </a:r>
+            <a:r>
+              <a:rPr lang="en-US" sz="1080" dirty="0" err="1"/>
+              <a:t>webApp</a:t>
+            </a:r>
+            <a:r>
+              <a:rPr lang="en-US" sz="1080" dirty="0"/>
+              <a:t>&gt;</a:t>
+            </a:r>
+          </a:p>
+          <a:p>
+            <a:pPr marL="0" indent="0">
+              <a:buNone/>
+            </a:pPr>
+            <a:r>
+              <a:rPr lang="en-US" sz="1080" dirty="0"/>
+              <a:t>		</a:t>
+            </a:r>
+            <a:r>
+              <a:rPr lang="hu-HU" sz="1080" dirty="0"/>
               <a:t>	</a:t>
             </a:r>
             <a:r>
@@ -7459,23 +7552,40 @@
             </a:r>
             <a:r>
               <a:rPr lang="en-US" sz="1080" dirty="0" err="1"/>
-              <a:t>groupId</a:t>
+              <a:t>contextPath</a:t>
+            </a:r>
+            <a:r>
+              <a:rPr lang="en-US" sz="1080" dirty="0"/>
+              <a:t>&gt;/</a:t>
+            </a:r>
+            <a:r>
+              <a:rPr lang="en-US" sz="1080" dirty="0" err="1"/>
+              <a:t>WebApp</a:t>
+            </a:r>
+            <a:r>
+              <a:rPr lang="en-US" sz="1080" dirty="0"/>
+              <a:t>&lt;/</a:t>
+            </a:r>
+            <a:r>
+              <a:rPr lang="en-US" sz="1080" dirty="0" err="1"/>
+              <a:t>contextPath</a:t>
             </a:r>
             <a:r>
               <a:rPr lang="en-US" sz="1080" dirty="0"/>
               <a:t>&gt;</a:t>
             </a:r>
+          </a:p>
+          <a:p>
+            <a:pPr marL="0" indent="0">
+              <a:buNone/>
+            </a:pPr>
+            <a:r>
+              <a:rPr lang="en-US" sz="1080" dirty="0"/>
+              <a:t>		&lt;/</a:t>
+            </a:r>
             <a:r>
               <a:rPr lang="en-US" sz="1080" dirty="0" err="1"/>
-              <a:t>org.eclipse.jetty</a:t>
-            </a:r>
-            <a:r>
-              <a:rPr lang="en-US" sz="1080" dirty="0"/>
-              <a:t>&lt;/</a:t>
-            </a:r>
-            <a:r>
-              <a:rPr lang="en-US" sz="1080" dirty="0" err="1"/>
-              <a:t>groupId</a:t>
+              <a:t>webApp</a:t>
             </a:r>
             <a:r>
               <a:rPr lang="en-US" sz="1080" dirty="0"/>
@@ -7488,203 +7598,16 @@
             </a:pPr>
             <a:r>
               <a:rPr lang="en-US" sz="1080" dirty="0"/>
-              <a:t>	</a:t>
-            </a:r>
+              <a:t>	&lt;/configuration&gt;</a:t>
+            </a:r>
+          </a:p>
+          <a:p>
+            <a:pPr marL="0" indent="0">
+              <a:buNone/>
+            </a:pPr>
             <a:r>
               <a:rPr lang="en-US" sz="1080" dirty="0"/>
-              <a:t>&lt;</a:t>
-            </a:r>
-            <a:r>
-              <a:rPr lang="en-US" sz="1080" dirty="0" err="1"/>
-              <a:t>artifactId</a:t>
-            </a:r>
-            <a:r>
-              <a:rPr lang="en-US" sz="1080" dirty="0"/>
-              <a:t>&gt;jetty-maven-plugin&lt;/</a:t>
-            </a:r>
-            <a:r>
-              <a:rPr lang="en-US" sz="1080" dirty="0" err="1"/>
-              <a:t>artifactId</a:t>
-            </a:r>
-            <a:r>
-              <a:rPr lang="en-US" sz="1080" dirty="0"/>
-              <a:t>&gt;</a:t>
-            </a:r>
-          </a:p>
-          <a:p>
-            <a:pPr marL="0" indent="0">
-              <a:buNone/>
-            </a:pPr>
-            <a:r>
-              <a:rPr lang="en-US" sz="1080" dirty="0"/>
-              <a:t>	</a:t>
-            </a:r>
-            <a:r>
-              <a:rPr lang="en-US" sz="1080" dirty="0"/>
-              <a:t>&lt;</a:t>
-            </a:r>
-            <a:r>
-              <a:rPr lang="en-US" sz="1080" dirty="0"/>
-              <a:t>version&gt;9.3.0.M2&lt;/version&gt;</a:t>
-            </a:r>
-          </a:p>
-          <a:p>
-            <a:pPr marL="0" indent="0">
-              <a:buNone/>
-            </a:pPr>
-            <a:r>
-              <a:rPr lang="en-US" sz="1080" dirty="0"/>
-              <a:t>	</a:t>
-            </a:r>
-            <a:r>
-              <a:rPr lang="en-US" sz="1080" dirty="0"/>
-              <a:t>&lt;</a:t>
-            </a:r>
-            <a:r>
-              <a:rPr lang="en-US" sz="1080" dirty="0"/>
-              <a:t>configuration&gt;</a:t>
-            </a:r>
-          </a:p>
-          <a:p>
-            <a:pPr marL="0" indent="0">
-              <a:buNone/>
-            </a:pPr>
-            <a:r>
-              <a:rPr lang="en-US" sz="1080" dirty="0"/>
-              <a:t>		</a:t>
-            </a:r>
-            <a:r>
-              <a:rPr lang="en-US" sz="1080" dirty="0"/>
-              <a:t>&lt;</a:t>
-            </a:r>
-            <a:r>
-              <a:rPr lang="en-US" sz="1080" dirty="0" err="1"/>
-              <a:t>scanIntervalSeconds</a:t>
-            </a:r>
-            <a:r>
-              <a:rPr lang="en-US" sz="1080" dirty="0"/>
-              <a:t>&gt;10&lt;/</a:t>
-            </a:r>
-            <a:r>
-              <a:rPr lang="en-US" sz="1080" dirty="0" err="1"/>
-              <a:t>scanIntervalSeconds</a:t>
-            </a:r>
-            <a:r>
-              <a:rPr lang="en-US" sz="1080" dirty="0"/>
-              <a:t>&gt;</a:t>
-            </a:r>
-          </a:p>
-          <a:p>
-            <a:pPr marL="0" indent="0">
-              <a:buNone/>
-            </a:pPr>
-            <a:r>
-              <a:rPr lang="en-US" sz="1080" dirty="0"/>
-              <a:t>		</a:t>
-            </a:r>
-            <a:r>
-              <a:rPr lang="en-US" sz="1080" dirty="0"/>
-              <a:t>&lt;</a:t>
-            </a:r>
-            <a:r>
-              <a:rPr lang="en-US" sz="1080" dirty="0" err="1"/>
-              <a:t>webApp</a:t>
-            </a:r>
-            <a:r>
-              <a:rPr lang="en-US" sz="1080" dirty="0"/>
-              <a:t>&gt;</a:t>
-            </a:r>
-          </a:p>
-          <a:p>
-            <a:pPr marL="0" indent="0">
-              <a:buNone/>
-            </a:pPr>
-            <a:r>
-              <a:rPr lang="en-US" sz="1080" dirty="0"/>
-              <a:t>		</a:t>
-            </a:r>
-            <a:r>
-              <a:rPr lang="hu-HU" sz="1080" dirty="0"/>
-              <a:t>	</a:t>
-            </a:r>
-            <a:r>
-              <a:rPr lang="en-US" sz="1080" dirty="0"/>
-              <a:t>&lt;</a:t>
-            </a:r>
-            <a:r>
-              <a:rPr lang="en-US" sz="1080" dirty="0" err="1"/>
-              <a:t>contextPath</a:t>
-            </a:r>
-            <a:r>
-              <a:rPr lang="en-US" sz="1080" dirty="0"/>
-              <a:t>&gt;/</a:t>
-            </a:r>
-            <a:r>
-              <a:rPr lang="en-US" sz="1080" dirty="0" err="1"/>
-              <a:t>WebApp</a:t>
-            </a:r>
-            <a:r>
-              <a:rPr lang="en-US" sz="1080" dirty="0"/>
-              <a:t>&lt;/</a:t>
-            </a:r>
-            <a:r>
-              <a:rPr lang="en-US" sz="1080" dirty="0" err="1"/>
-              <a:t>contextPath</a:t>
-            </a:r>
-            <a:r>
-              <a:rPr lang="en-US" sz="1080" dirty="0"/>
-              <a:t>&gt;</a:t>
-            </a:r>
-          </a:p>
-          <a:p>
-            <a:pPr marL="0" indent="0">
-              <a:buNone/>
-            </a:pPr>
-            <a:r>
-              <a:rPr lang="en-US" sz="1080" dirty="0"/>
-              <a:t>		</a:t>
-            </a:r>
-            <a:r>
-              <a:rPr lang="en-US" sz="1080" dirty="0"/>
-              <a:t>&lt;/</a:t>
-            </a:r>
-            <a:r>
-              <a:rPr lang="en-US" sz="1080" dirty="0" err="1"/>
-              <a:t>webApp</a:t>
-            </a:r>
-            <a:r>
-              <a:rPr lang="en-US" sz="1080" dirty="0"/>
-              <a:t>&gt;</a:t>
-            </a:r>
-          </a:p>
-          <a:p>
-            <a:pPr marL="0" indent="0">
-              <a:buNone/>
-            </a:pPr>
-            <a:r>
-              <a:rPr lang="en-US" sz="1080" dirty="0"/>
-              <a:t>	</a:t>
-            </a:r>
-            <a:r>
-              <a:rPr lang="en-US" sz="1080" dirty="0"/>
-              <a:t>&lt;/</a:t>
-            </a:r>
-            <a:r>
-              <a:rPr lang="en-US" sz="1080" dirty="0"/>
-              <a:t>configuration&gt;</a:t>
-            </a:r>
-          </a:p>
-          <a:p>
-            <a:pPr marL="0" indent="0">
-              <a:buNone/>
-            </a:pPr>
-            <a:r>
-              <a:rPr lang="en-US" sz="1080" dirty="0"/>
-              <a:t>&lt;/</a:t>
-            </a:r>
-            <a:r>
-              <a:rPr lang="en-US" sz="1080" dirty="0"/>
-              <a:t>plugin&gt;</a:t>
+              <a:t>&lt;/plugin&gt;</a:t>
             </a:r>
           </a:p>
         </p:txBody>
@@ -7842,7 +7765,6 @@
               <a:rPr lang="hu-HU" sz="1620" dirty="0"/>
               <a:t>Session</a:t>
             </a:r>
-            <a:endParaRPr lang="hu-HU" sz="1620" dirty="0"/>
           </a:p>
         </p:txBody>
       </p:sp>
@@ -8052,11 +7974,7 @@
             </a:r>
             <a:r>
               <a:rPr lang="hu-HU" sz="2800" dirty="0"/>
-              <a:t> </a:t>
-            </a:r>
-            <a:r>
-              <a:rPr lang="hu-HU" sz="2800" dirty="0"/>
-              <a:t>reprezentálja.</a:t>
+              <a:t> reprezentálja.</a:t>
             </a:r>
           </a:p>
           <a:p>
@@ -8110,7 +8028,6 @@
               <a:rPr lang="hu-HU" dirty="0"/>
               <a:t> attribútumok</a:t>
             </a:r>
-            <a:endParaRPr lang="hu-HU" dirty="0"/>
           </a:p>
           <a:p>
             <a:endParaRPr lang="hu-HU" sz="1620" dirty="0"/>
